--- a/tutorials/pipelines/tut_a_st_bud/vector files/fig10.pptx
+++ b/tutorials/pipelines/tut_a_st_bud/vector files/fig10.pptx
@@ -197,7 +197,7 @@
           <a:p>
             <a:fld id="{00908931-0033-4484-A0E5-3BAAC1BCE9A0}" type="datetimeFigureOut">
               <a:rPr lang="zh-CN" altLang="en-US" smtClean="0"/>
-              <a:t>2023/10/3</a:t>
+              <a:t>2023/10/4</a:t>
             </a:fld>
             <a:endParaRPr lang="zh-CN" altLang="en-US"/>
           </a:p>
@@ -684,7 +684,7 @@
           <a:p>
             <a:fld id="{CA1BB51F-BFC6-4DD3-8C2A-5B21FD6F69C3}" type="datetimeFigureOut">
               <a:rPr lang="en-SE" smtClean="0"/>
-              <a:t>10/03/2023</a:t>
+              <a:t>10/04/2023</a:t>
             </a:fld>
             <a:endParaRPr lang="en-SE"/>
           </a:p>
@@ -854,7 +854,7 @@
           <a:p>
             <a:fld id="{CA1BB51F-BFC6-4DD3-8C2A-5B21FD6F69C3}" type="datetimeFigureOut">
               <a:rPr lang="en-SE" smtClean="0"/>
-              <a:t>10/03/2023</a:t>
+              <a:t>10/04/2023</a:t>
             </a:fld>
             <a:endParaRPr lang="en-SE"/>
           </a:p>
@@ -1034,7 +1034,7 @@
           <a:p>
             <a:fld id="{CA1BB51F-BFC6-4DD3-8C2A-5B21FD6F69C3}" type="datetimeFigureOut">
               <a:rPr lang="en-SE" smtClean="0"/>
-              <a:t>10/03/2023</a:t>
+              <a:t>10/04/2023</a:t>
             </a:fld>
             <a:endParaRPr lang="en-SE"/>
           </a:p>
@@ -1204,7 +1204,7 @@
           <a:p>
             <a:fld id="{CA1BB51F-BFC6-4DD3-8C2A-5B21FD6F69C3}" type="datetimeFigureOut">
               <a:rPr lang="en-SE" smtClean="0"/>
-              <a:t>10/03/2023</a:t>
+              <a:t>10/04/2023</a:t>
             </a:fld>
             <a:endParaRPr lang="en-SE"/>
           </a:p>
@@ -1448,7 +1448,7 @@
           <a:p>
             <a:fld id="{CA1BB51F-BFC6-4DD3-8C2A-5B21FD6F69C3}" type="datetimeFigureOut">
               <a:rPr lang="en-SE" smtClean="0"/>
-              <a:t>10/03/2023</a:t>
+              <a:t>10/04/2023</a:t>
             </a:fld>
             <a:endParaRPr lang="en-SE"/>
           </a:p>
@@ -1680,7 +1680,7 @@
           <a:p>
             <a:fld id="{CA1BB51F-BFC6-4DD3-8C2A-5B21FD6F69C3}" type="datetimeFigureOut">
               <a:rPr lang="en-SE" smtClean="0"/>
-              <a:t>10/03/2023</a:t>
+              <a:t>10/04/2023</a:t>
             </a:fld>
             <a:endParaRPr lang="en-SE"/>
           </a:p>
@@ -2047,7 +2047,7 @@
           <a:p>
             <a:fld id="{CA1BB51F-BFC6-4DD3-8C2A-5B21FD6F69C3}" type="datetimeFigureOut">
               <a:rPr lang="en-SE" smtClean="0"/>
-              <a:t>10/03/2023</a:t>
+              <a:t>10/04/2023</a:t>
             </a:fld>
             <a:endParaRPr lang="en-SE"/>
           </a:p>
@@ -2165,7 +2165,7 @@
           <a:p>
             <a:fld id="{CA1BB51F-BFC6-4DD3-8C2A-5B21FD6F69C3}" type="datetimeFigureOut">
               <a:rPr lang="en-SE" smtClean="0"/>
-              <a:t>10/03/2023</a:t>
+              <a:t>10/04/2023</a:t>
             </a:fld>
             <a:endParaRPr lang="en-SE"/>
           </a:p>
@@ -2260,7 +2260,7 @@
           <a:p>
             <a:fld id="{CA1BB51F-BFC6-4DD3-8C2A-5B21FD6F69C3}" type="datetimeFigureOut">
               <a:rPr lang="en-SE" smtClean="0"/>
-              <a:t>10/03/2023</a:t>
+              <a:t>10/04/2023</a:t>
             </a:fld>
             <a:endParaRPr lang="en-SE"/>
           </a:p>
@@ -2537,7 +2537,7 @@
           <a:p>
             <a:fld id="{CA1BB51F-BFC6-4DD3-8C2A-5B21FD6F69C3}" type="datetimeFigureOut">
               <a:rPr lang="en-SE" smtClean="0"/>
-              <a:t>10/03/2023</a:t>
+              <a:t>10/04/2023</a:t>
             </a:fld>
             <a:endParaRPr lang="en-SE"/>
           </a:p>
@@ -2794,7 +2794,7 @@
           <a:p>
             <a:fld id="{CA1BB51F-BFC6-4DD3-8C2A-5B21FD6F69C3}" type="datetimeFigureOut">
               <a:rPr lang="en-SE" smtClean="0"/>
-              <a:t>10/03/2023</a:t>
+              <a:t>10/04/2023</a:t>
             </a:fld>
             <a:endParaRPr lang="en-SE"/>
           </a:p>
@@ -3007,7 +3007,7 @@
           <a:p>
             <a:fld id="{CA1BB51F-BFC6-4DD3-8C2A-5B21FD6F69C3}" type="datetimeFigureOut">
               <a:rPr lang="en-SE" smtClean="0"/>
-              <a:t>10/03/2023</a:t>
+              <a:t>10/04/2023</a:t>
             </a:fld>
             <a:endParaRPr lang="en-SE"/>
           </a:p>
@@ -3414,10 +3414,10 @@
       </p:grpSpPr>
       <p:pic>
         <p:nvPicPr>
-          <p:cNvPr id="9" name="图片 8">
+          <p:cNvPr id="7" name="图片 6">
             <a:extLst>
               <a:ext uri="{FF2B5EF4-FFF2-40B4-BE49-F238E27FC236}">
-                <a16:creationId xmlns:a16="http://schemas.microsoft.com/office/drawing/2014/main" id="{60EE3C39-8EDD-3E4F-D2E9-5F90D13BD2B8}"/>
+                <a16:creationId xmlns:a16="http://schemas.microsoft.com/office/drawing/2014/main" id="{EA6AA324-8DF4-68E7-17D9-17126C5C2730}"/>
               </a:ext>
             </a:extLst>
           </p:cNvPr>
@@ -3434,68 +3434,8 @@
         </p:blipFill>
         <p:spPr>
           <a:xfrm>
-            <a:off x="8738214" y="0"/>
-            <a:ext cx="4275545" cy="11692151"/>
-          </a:xfrm>
-          <a:prstGeom prst="rect">
-            <a:avLst/>
-          </a:prstGeom>
-        </p:spPr>
-      </p:pic>
-      <p:pic>
-        <p:nvPicPr>
-          <p:cNvPr id="6" name="图片 5">
-            <a:extLst>
-              <a:ext uri="{FF2B5EF4-FFF2-40B4-BE49-F238E27FC236}">
-                <a16:creationId xmlns:a16="http://schemas.microsoft.com/office/drawing/2014/main" id="{CB64AD9E-79BC-DF4F-0E65-179BE0094D96}"/>
-              </a:ext>
-            </a:extLst>
-          </p:cNvPr>
-          <p:cNvPicPr>
-            <a:picLocks noChangeAspect="1"/>
-          </p:cNvPicPr>
-          <p:nvPr/>
-        </p:nvPicPr>
-        <p:blipFill>
-          <a:blip r:embed="rId4"/>
-          <a:stretch>
-            <a:fillRect/>
-          </a:stretch>
-        </p:blipFill>
-        <p:spPr>
-          <a:xfrm>
-            <a:off x="4382625" y="0"/>
-            <a:ext cx="4355595" cy="11692151"/>
-          </a:xfrm>
-          <a:prstGeom prst="rect">
-            <a:avLst/>
-          </a:prstGeom>
-        </p:spPr>
-      </p:pic>
-      <p:pic>
-        <p:nvPicPr>
-          <p:cNvPr id="5" name="图片 4">
-            <a:extLst>
-              <a:ext uri="{FF2B5EF4-FFF2-40B4-BE49-F238E27FC236}">
-                <a16:creationId xmlns:a16="http://schemas.microsoft.com/office/drawing/2014/main" id="{CB7F02D4-1D5E-4D70-952E-E4A66FE4730C}"/>
-              </a:ext>
-            </a:extLst>
-          </p:cNvPr>
-          <p:cNvPicPr>
-            <a:picLocks noChangeAspect="1"/>
-          </p:cNvPicPr>
-          <p:nvPr/>
-        </p:nvPicPr>
-        <p:blipFill>
-          <a:blip r:embed="rId5"/>
-          <a:stretch>
-            <a:fillRect/>
-          </a:stretch>
-        </p:blipFill>
-        <p:spPr>
-          <a:xfrm>
-            <a:off x="0" y="0"/>
-            <a:ext cx="4377778" cy="11692151"/>
+            <a:off x="0" y="-1"/>
+            <a:ext cx="12839682" cy="12239625"/>
           </a:xfrm>
           <a:prstGeom prst="rect">
             <a:avLst/>
@@ -3516,8 +3456,8 @@
         </p:nvSpPr>
         <p:spPr>
           <a:xfrm>
-            <a:off x="4901354" y="5569461"/>
-            <a:ext cx="3550960" cy="3681348"/>
+            <a:off x="5056337" y="6433809"/>
+            <a:ext cx="3550960" cy="4382329"/>
           </a:xfrm>
           <a:prstGeom prst="rect">
             <a:avLst/>
@@ -3571,7 +3511,7 @@
         </p:nvSpPr>
         <p:spPr>
           <a:xfrm>
-            <a:off x="11899346" y="1870734"/>
+            <a:off x="11759861" y="2428673"/>
             <a:ext cx="767201" cy="767201"/>
           </a:xfrm>
           <a:prstGeom prst="ellipse">
@@ -3635,7 +3575,7 @@
         </p:nvSpPr>
         <p:spPr>
           <a:xfrm>
-            <a:off x="7351753" y="5666608"/>
+            <a:off x="7460241" y="6596507"/>
             <a:ext cx="767201" cy="767201"/>
           </a:xfrm>
           <a:prstGeom prst="ellipse">

--- a/tutorials/pipelines/tut_a_st_bud/vector files/fig10.pptx
+++ b/tutorials/pipelines/tut_a_st_bud/vector files/fig10.pptx
@@ -2,7 +2,7 @@
 <file path=ppt/presentation.xml><?xml version="1.0" encoding="utf-8"?>
 <p:presentation xmlns:a="http://schemas.openxmlformats.org/drawingml/2006/main" xmlns:r="http://schemas.openxmlformats.org/officeDocument/2006/relationships" xmlns:p="http://schemas.openxmlformats.org/presentationml/2006/main" saveSubsetFonts="1">
   <p:sldMasterIdLst>
-    <p:sldMasterId id="2147483864" r:id="rId1"/>
+    <p:sldMasterId id="2147483780" r:id="rId1"/>
   </p:sldMasterIdLst>
   <p:notesMasterIdLst>
     <p:notesMasterId r:id="rId3"/>
@@ -10,7 +10,7 @@
   <p:sldIdLst>
     <p:sldId id="257" r:id="rId2"/>
   </p:sldIdLst>
-  <p:sldSz cx="14400213" cy="12239625"/>
+  <p:sldSz cx="15119350" cy="12599988"/>
   <p:notesSz cx="6858000" cy="9144000"/>
   <p:defaultTextStyle>
     <a:defPPr>
@@ -215,8 +215,8 @@
         </p:nvSpPr>
         <p:spPr>
           <a:xfrm>
-            <a:off x="1612900" y="1143000"/>
-            <a:ext cx="3632200" cy="3086100"/>
+            <a:off x="1577975" y="1143000"/>
+            <a:ext cx="3702050" cy="3086100"/>
           </a:xfrm>
           <a:prstGeom prst="rect">
             <a:avLst/>
@@ -370,8 +370,8 @@
   </p:cSld>
   <p:clrMap bg1="lt1" tx1="dk1" bg2="lt2" tx2="dk2" accent1="accent1" accent2="accent2" accent3="accent3" accent4="accent4" accent5="accent5" accent6="accent6" hlink="hlink" folHlink="folHlink"/>
   <p:notesStyle>
-    <a:lvl1pPr marL="0" algn="l" defTabSz="1606252" rtl="0" eaLnBrk="1" latinLnBrk="0" hangingPunct="1">
-      <a:defRPr sz="2108" kern="1200">
+    <a:lvl1pPr marL="0" algn="l" defTabSz="1845769" rtl="0" eaLnBrk="1" latinLnBrk="0" hangingPunct="1">
+      <a:defRPr sz="2423" kern="1200">
         <a:solidFill>
           <a:schemeClr val="tx1"/>
         </a:solidFill>
@@ -380,8 +380,8 @@
         <a:cs typeface="+mn-cs"/>
       </a:defRPr>
     </a:lvl1pPr>
-    <a:lvl2pPr marL="803126" algn="l" defTabSz="1606252" rtl="0" eaLnBrk="1" latinLnBrk="0" hangingPunct="1">
-      <a:defRPr sz="2108" kern="1200">
+    <a:lvl2pPr marL="922886" algn="l" defTabSz="1845769" rtl="0" eaLnBrk="1" latinLnBrk="0" hangingPunct="1">
+      <a:defRPr sz="2423" kern="1200">
         <a:solidFill>
           <a:schemeClr val="tx1"/>
         </a:solidFill>
@@ -390,8 +390,8 @@
         <a:cs typeface="+mn-cs"/>
       </a:defRPr>
     </a:lvl2pPr>
-    <a:lvl3pPr marL="1606252" algn="l" defTabSz="1606252" rtl="0" eaLnBrk="1" latinLnBrk="0" hangingPunct="1">
-      <a:defRPr sz="2108" kern="1200">
+    <a:lvl3pPr marL="1845769" algn="l" defTabSz="1845769" rtl="0" eaLnBrk="1" latinLnBrk="0" hangingPunct="1">
+      <a:defRPr sz="2423" kern="1200">
         <a:solidFill>
           <a:schemeClr val="tx1"/>
         </a:solidFill>
@@ -400,8 +400,8 @@
         <a:cs typeface="+mn-cs"/>
       </a:defRPr>
     </a:lvl3pPr>
-    <a:lvl4pPr marL="2409377" algn="l" defTabSz="1606252" rtl="0" eaLnBrk="1" latinLnBrk="0" hangingPunct="1">
-      <a:defRPr sz="2108" kern="1200">
+    <a:lvl4pPr marL="2768655" algn="l" defTabSz="1845769" rtl="0" eaLnBrk="1" latinLnBrk="0" hangingPunct="1">
+      <a:defRPr sz="2423" kern="1200">
         <a:solidFill>
           <a:schemeClr val="tx1"/>
         </a:solidFill>
@@ -410,8 +410,8 @@
         <a:cs typeface="+mn-cs"/>
       </a:defRPr>
     </a:lvl4pPr>
-    <a:lvl5pPr marL="3212505" algn="l" defTabSz="1606252" rtl="0" eaLnBrk="1" latinLnBrk="0" hangingPunct="1">
-      <a:defRPr sz="2108" kern="1200">
+    <a:lvl5pPr marL="3691540" algn="l" defTabSz="1845769" rtl="0" eaLnBrk="1" latinLnBrk="0" hangingPunct="1">
+      <a:defRPr sz="2423" kern="1200">
         <a:solidFill>
           <a:schemeClr val="tx1"/>
         </a:solidFill>
@@ -420,8 +420,8 @@
         <a:cs typeface="+mn-cs"/>
       </a:defRPr>
     </a:lvl5pPr>
-    <a:lvl6pPr marL="4015628" algn="l" defTabSz="1606252" rtl="0" eaLnBrk="1" latinLnBrk="0" hangingPunct="1">
-      <a:defRPr sz="2108" kern="1200">
+    <a:lvl6pPr marL="4614426" algn="l" defTabSz="1845769" rtl="0" eaLnBrk="1" latinLnBrk="0" hangingPunct="1">
+      <a:defRPr sz="2423" kern="1200">
         <a:solidFill>
           <a:schemeClr val="tx1"/>
         </a:solidFill>
@@ -430,8 +430,8 @@
         <a:cs typeface="+mn-cs"/>
       </a:defRPr>
     </a:lvl6pPr>
-    <a:lvl7pPr marL="4818754" algn="l" defTabSz="1606252" rtl="0" eaLnBrk="1" latinLnBrk="0" hangingPunct="1">
-      <a:defRPr sz="2108" kern="1200">
+    <a:lvl7pPr marL="5537312" algn="l" defTabSz="1845769" rtl="0" eaLnBrk="1" latinLnBrk="0" hangingPunct="1">
+      <a:defRPr sz="2423" kern="1200">
         <a:solidFill>
           <a:schemeClr val="tx1"/>
         </a:solidFill>
@@ -440,8 +440,8 @@
         <a:cs typeface="+mn-cs"/>
       </a:defRPr>
     </a:lvl7pPr>
-    <a:lvl8pPr marL="5621881" algn="l" defTabSz="1606252" rtl="0" eaLnBrk="1" latinLnBrk="0" hangingPunct="1">
-      <a:defRPr sz="2108" kern="1200">
+    <a:lvl8pPr marL="6460195" algn="l" defTabSz="1845769" rtl="0" eaLnBrk="1" latinLnBrk="0" hangingPunct="1">
+      <a:defRPr sz="2423" kern="1200">
         <a:solidFill>
           <a:schemeClr val="tx1"/>
         </a:solidFill>
@@ -450,8 +450,8 @@
         <a:cs typeface="+mn-cs"/>
       </a:defRPr>
     </a:lvl8pPr>
-    <a:lvl9pPr marL="6425006" algn="l" defTabSz="1606252" rtl="0" eaLnBrk="1" latinLnBrk="0" hangingPunct="1">
-      <a:defRPr sz="2108" kern="1200">
+    <a:lvl9pPr marL="7383081" algn="l" defTabSz="1845769" rtl="0" eaLnBrk="1" latinLnBrk="0" hangingPunct="1">
+      <a:defRPr sz="2423" kern="1200">
         <a:solidFill>
           <a:schemeClr val="tx1"/>
         </a:solidFill>
@@ -493,8 +493,8 @@
         </p:nvSpPr>
         <p:spPr>
           <a:xfrm>
-            <a:off x="1612900" y="1143000"/>
-            <a:ext cx="3632200" cy="3086100"/>
+            <a:off x="1577975" y="1143000"/>
+            <a:ext cx="3702050" cy="3086100"/>
           </a:xfrm>
         </p:spPr>
       </p:sp>
@@ -582,15 +582,15 @@
         </p:nvSpPr>
         <p:spPr>
           <a:xfrm>
-            <a:off x="1080016" y="2003106"/>
-            <a:ext cx="12240181" cy="4261203"/>
+            <a:off x="1133951" y="2062083"/>
+            <a:ext cx="12851448" cy="4386662"/>
           </a:xfrm>
         </p:spPr>
         <p:txBody>
           <a:bodyPr anchor="b"/>
           <a:lstStyle>
             <a:lvl1pPr algn="ctr">
-              <a:defRPr sz="9449"/>
+              <a:defRPr sz="9921"/>
             </a:lvl1pPr>
           </a:lstStyle>
           <a:p>
@@ -614,8 +614,8 @@
         </p:nvSpPr>
         <p:spPr>
           <a:xfrm>
-            <a:off x="1800027" y="6428637"/>
-            <a:ext cx="10800160" cy="2955075"/>
+            <a:off x="1889919" y="6617911"/>
+            <a:ext cx="11339513" cy="3042080"/>
           </a:xfrm>
         </p:spPr>
         <p:txBody>
@@ -623,39 +623,39 @@
           <a:lstStyle>
             <a:lvl1pPr marL="0" indent="0" algn="ctr">
               <a:buNone/>
-              <a:defRPr sz="3780"/>
+              <a:defRPr sz="3968"/>
             </a:lvl1pPr>
-            <a:lvl2pPr marL="719999" indent="0" algn="ctr">
-              <a:buNone/>
-              <a:defRPr sz="3150"/>
+            <a:lvl2pPr marL="755980" indent="0" algn="ctr">
+              <a:buNone/>
+              <a:defRPr sz="3307"/>
             </a:lvl2pPr>
-            <a:lvl3pPr marL="1439997" indent="0" algn="ctr">
-              <a:buNone/>
-              <a:defRPr sz="2835"/>
+            <a:lvl3pPr marL="1511960" indent="0" algn="ctr">
+              <a:buNone/>
+              <a:defRPr sz="2976"/>
             </a:lvl3pPr>
-            <a:lvl4pPr marL="2159996" indent="0" algn="ctr">
-              <a:buNone/>
-              <a:defRPr sz="2520"/>
+            <a:lvl4pPr marL="2267941" indent="0" algn="ctr">
+              <a:buNone/>
+              <a:defRPr sz="2646"/>
             </a:lvl4pPr>
-            <a:lvl5pPr marL="2879994" indent="0" algn="ctr">
-              <a:buNone/>
-              <a:defRPr sz="2520"/>
+            <a:lvl5pPr marL="3023921" indent="0" algn="ctr">
+              <a:buNone/>
+              <a:defRPr sz="2646"/>
             </a:lvl5pPr>
-            <a:lvl6pPr marL="3599993" indent="0" algn="ctr">
-              <a:buNone/>
-              <a:defRPr sz="2520"/>
+            <a:lvl6pPr marL="3779901" indent="0" algn="ctr">
+              <a:buNone/>
+              <a:defRPr sz="2646"/>
             </a:lvl6pPr>
-            <a:lvl7pPr marL="4319991" indent="0" algn="ctr">
-              <a:buNone/>
-              <a:defRPr sz="2520"/>
+            <a:lvl7pPr marL="4535881" indent="0" algn="ctr">
+              <a:buNone/>
+              <a:defRPr sz="2646"/>
             </a:lvl7pPr>
-            <a:lvl8pPr marL="5039990" indent="0" algn="ctr">
-              <a:buNone/>
-              <a:defRPr sz="2520"/>
+            <a:lvl8pPr marL="5291861" indent="0" algn="ctr">
+              <a:buNone/>
+              <a:defRPr sz="2646"/>
             </a:lvl8pPr>
-            <a:lvl9pPr marL="5759988" indent="0" algn="ctr">
-              <a:buNone/>
-              <a:defRPr sz="2520"/>
+            <a:lvl9pPr marL="6047842" indent="0" algn="ctr">
+              <a:buNone/>
+              <a:defRPr sz="2646"/>
             </a:lvl9pPr>
           </a:lstStyle>
           <a:p>
@@ -735,7 +735,7 @@
     </p:spTree>
     <p:extLst>
       <p:ext uri="{BB962C8B-B14F-4D97-AF65-F5344CB8AC3E}">
-        <p14:creationId xmlns:p14="http://schemas.microsoft.com/office/powerpoint/2010/main" val="2934609170"/>
+        <p14:creationId xmlns:p14="http://schemas.microsoft.com/office/powerpoint/2010/main" val="4003016085"/>
       </p:ext>
     </p:extLst>
   </p:cSld>
@@ -905,7 +905,7 @@
     </p:spTree>
     <p:extLst>
       <p:ext uri="{BB962C8B-B14F-4D97-AF65-F5344CB8AC3E}">
-        <p14:creationId xmlns:p14="http://schemas.microsoft.com/office/powerpoint/2010/main" val="2639466652"/>
+        <p14:creationId xmlns:p14="http://schemas.microsoft.com/office/powerpoint/2010/main" val="2380103752"/>
       </p:ext>
     </p:extLst>
   </p:cSld>
@@ -944,8 +944,8 @@
         </p:nvSpPr>
         <p:spPr>
           <a:xfrm>
-            <a:off x="10305153" y="651647"/>
-            <a:ext cx="3105046" cy="10372516"/>
+            <a:off x="10819786" y="670833"/>
+            <a:ext cx="3260110" cy="10677907"/>
           </a:xfrm>
         </p:spPr>
         <p:txBody>
@@ -972,8 +972,8 @@
         </p:nvSpPr>
         <p:spPr>
           <a:xfrm>
-            <a:off x="990015" y="651647"/>
-            <a:ext cx="9135135" cy="10372516"/>
+            <a:off x="1039456" y="670833"/>
+            <a:ext cx="9591338" cy="10677907"/>
           </a:xfrm>
         </p:spPr>
         <p:txBody>
@@ -1085,7 +1085,7 @@
     </p:spTree>
     <p:extLst>
       <p:ext uri="{BB962C8B-B14F-4D97-AF65-F5344CB8AC3E}">
-        <p14:creationId xmlns:p14="http://schemas.microsoft.com/office/powerpoint/2010/main" val="2705165735"/>
+        <p14:creationId xmlns:p14="http://schemas.microsoft.com/office/powerpoint/2010/main" val="4178813537"/>
       </p:ext>
     </p:extLst>
   </p:cSld>
@@ -1255,7 +1255,7 @@
     </p:spTree>
     <p:extLst>
       <p:ext uri="{BB962C8B-B14F-4D97-AF65-F5344CB8AC3E}">
-        <p14:creationId xmlns:p14="http://schemas.microsoft.com/office/powerpoint/2010/main" val="2270008715"/>
+        <p14:creationId xmlns:p14="http://schemas.microsoft.com/office/powerpoint/2010/main" val="4102136390"/>
       </p:ext>
     </p:extLst>
   </p:cSld>
@@ -1294,15 +1294,15 @@
         </p:nvSpPr>
         <p:spPr>
           <a:xfrm>
-            <a:off x="982515" y="3051410"/>
-            <a:ext cx="12420184" cy="5091343"/>
+            <a:off x="1031582" y="3141251"/>
+            <a:ext cx="13040439" cy="5241244"/>
           </a:xfrm>
         </p:spPr>
         <p:txBody>
           <a:bodyPr anchor="b"/>
           <a:lstStyle>
             <a:lvl1pPr>
-              <a:defRPr sz="9449"/>
+              <a:defRPr sz="9921"/>
             </a:lvl1pPr>
           </a:lstStyle>
           <a:p>
@@ -1326,8 +1326,8 @@
         </p:nvSpPr>
         <p:spPr>
           <a:xfrm>
-            <a:off x="982515" y="8190919"/>
-            <a:ext cx="12420184" cy="2677417"/>
+            <a:off x="1031582" y="8432079"/>
+            <a:ext cx="13040439" cy="2756246"/>
           </a:xfrm>
         </p:spPr>
         <p:txBody>
@@ -1335,15 +1335,15 @@
           <a:lstStyle>
             <a:lvl1pPr marL="0" indent="0">
               <a:buNone/>
-              <a:defRPr sz="3780">
+              <a:defRPr sz="3968">
                 <a:solidFill>
                   <a:schemeClr val="tx1"/>
                 </a:solidFill>
               </a:defRPr>
             </a:lvl1pPr>
-            <a:lvl2pPr marL="719999" indent="0">
-              <a:buNone/>
-              <a:defRPr sz="3150">
+            <a:lvl2pPr marL="755980" indent="0">
+              <a:buNone/>
+              <a:defRPr sz="3307">
                 <a:solidFill>
                   <a:schemeClr val="tx1">
                     <a:tint val="75000"/>
@@ -1351,9 +1351,9 @@
                 </a:solidFill>
               </a:defRPr>
             </a:lvl2pPr>
-            <a:lvl3pPr marL="1439997" indent="0">
-              <a:buNone/>
-              <a:defRPr sz="2835">
+            <a:lvl3pPr marL="1511960" indent="0">
+              <a:buNone/>
+              <a:defRPr sz="2976">
                 <a:solidFill>
                   <a:schemeClr val="tx1">
                     <a:tint val="75000"/>
@@ -1361,9 +1361,9 @@
                 </a:solidFill>
               </a:defRPr>
             </a:lvl3pPr>
-            <a:lvl4pPr marL="2159996" indent="0">
-              <a:buNone/>
-              <a:defRPr sz="2520">
+            <a:lvl4pPr marL="2267941" indent="0">
+              <a:buNone/>
+              <a:defRPr sz="2646">
                 <a:solidFill>
                   <a:schemeClr val="tx1">
                     <a:tint val="75000"/>
@@ -1371,9 +1371,9 @@
                 </a:solidFill>
               </a:defRPr>
             </a:lvl4pPr>
-            <a:lvl5pPr marL="2879994" indent="0">
-              <a:buNone/>
-              <a:defRPr sz="2520">
+            <a:lvl5pPr marL="3023921" indent="0">
+              <a:buNone/>
+              <a:defRPr sz="2646">
                 <a:solidFill>
                   <a:schemeClr val="tx1">
                     <a:tint val="75000"/>
@@ -1381,9 +1381,9 @@
                 </a:solidFill>
               </a:defRPr>
             </a:lvl5pPr>
-            <a:lvl6pPr marL="3599993" indent="0">
-              <a:buNone/>
-              <a:defRPr sz="2520">
+            <a:lvl6pPr marL="3779901" indent="0">
+              <a:buNone/>
+              <a:defRPr sz="2646">
                 <a:solidFill>
                   <a:schemeClr val="tx1">
                     <a:tint val="75000"/>
@@ -1391,9 +1391,9 @@
                 </a:solidFill>
               </a:defRPr>
             </a:lvl6pPr>
-            <a:lvl7pPr marL="4319991" indent="0">
-              <a:buNone/>
-              <a:defRPr sz="2520">
+            <a:lvl7pPr marL="4535881" indent="0">
+              <a:buNone/>
+              <a:defRPr sz="2646">
                 <a:solidFill>
                   <a:schemeClr val="tx1">
                     <a:tint val="75000"/>
@@ -1401,9 +1401,9 @@
                 </a:solidFill>
               </a:defRPr>
             </a:lvl7pPr>
-            <a:lvl8pPr marL="5039990" indent="0">
-              <a:buNone/>
-              <a:defRPr sz="2520">
+            <a:lvl8pPr marL="5291861" indent="0">
+              <a:buNone/>
+              <a:defRPr sz="2646">
                 <a:solidFill>
                   <a:schemeClr val="tx1">
                     <a:tint val="75000"/>
@@ -1411,9 +1411,9 @@
                 </a:solidFill>
               </a:defRPr>
             </a:lvl8pPr>
-            <a:lvl9pPr marL="5759988" indent="0">
-              <a:buNone/>
-              <a:defRPr sz="2520">
+            <a:lvl9pPr marL="6047842" indent="0">
+              <a:buNone/>
+              <a:defRPr sz="2646">
                 <a:solidFill>
                   <a:schemeClr val="tx1">
                     <a:tint val="75000"/>
@@ -1499,7 +1499,7 @@
     </p:spTree>
     <p:extLst>
       <p:ext uri="{BB962C8B-B14F-4D97-AF65-F5344CB8AC3E}">
-        <p14:creationId xmlns:p14="http://schemas.microsoft.com/office/powerpoint/2010/main" val="2732925188"/>
+        <p14:creationId xmlns:p14="http://schemas.microsoft.com/office/powerpoint/2010/main" val="2107562751"/>
       </p:ext>
     </p:extLst>
   </p:cSld>
@@ -1561,8 +1561,8 @@
         </p:nvSpPr>
         <p:spPr>
           <a:xfrm>
-            <a:off x="990014" y="3258233"/>
-            <a:ext cx="6120091" cy="7765930"/>
+            <a:off x="1039455" y="3354163"/>
+            <a:ext cx="6425724" cy="7994577"/>
           </a:xfrm>
         </p:spPr>
         <p:txBody>
@@ -1618,8 +1618,8 @@
         </p:nvSpPr>
         <p:spPr>
           <a:xfrm>
-            <a:off x="7290108" y="3258233"/>
-            <a:ext cx="6120091" cy="7765930"/>
+            <a:off x="7654171" y="3354163"/>
+            <a:ext cx="6425724" cy="7994577"/>
           </a:xfrm>
         </p:spPr>
         <p:txBody>
@@ -1731,7 +1731,7 @@
     </p:spTree>
     <p:extLst>
       <p:ext uri="{BB962C8B-B14F-4D97-AF65-F5344CB8AC3E}">
-        <p14:creationId xmlns:p14="http://schemas.microsoft.com/office/powerpoint/2010/main" val="2370706672"/>
+        <p14:creationId xmlns:p14="http://schemas.microsoft.com/office/powerpoint/2010/main" val="1235419058"/>
       </p:ext>
     </p:extLst>
   </p:cSld>
@@ -1770,8 +1770,8 @@
         </p:nvSpPr>
         <p:spPr>
           <a:xfrm>
-            <a:off x="991890" y="651649"/>
-            <a:ext cx="12420184" cy="2365762"/>
+            <a:off x="1041425" y="670836"/>
+            <a:ext cx="13040439" cy="2435415"/>
           </a:xfrm>
         </p:spPr>
         <p:txBody>
@@ -1798,8 +1798,8 @@
         </p:nvSpPr>
         <p:spPr>
           <a:xfrm>
-            <a:off x="991892" y="3000409"/>
-            <a:ext cx="6091964" cy="1470454"/>
+            <a:off x="1041426" y="3088748"/>
+            <a:ext cx="6396193" cy="1513748"/>
           </a:xfrm>
         </p:spPr>
         <p:txBody>
@@ -1807,39 +1807,39 @@
           <a:lstStyle>
             <a:lvl1pPr marL="0" indent="0">
               <a:buNone/>
-              <a:defRPr sz="3780" b="1"/>
+              <a:defRPr sz="3968" b="1"/>
             </a:lvl1pPr>
-            <a:lvl2pPr marL="719999" indent="0">
-              <a:buNone/>
-              <a:defRPr sz="3150" b="1"/>
+            <a:lvl2pPr marL="755980" indent="0">
+              <a:buNone/>
+              <a:defRPr sz="3307" b="1"/>
             </a:lvl2pPr>
-            <a:lvl3pPr marL="1439997" indent="0">
-              <a:buNone/>
-              <a:defRPr sz="2835" b="1"/>
+            <a:lvl3pPr marL="1511960" indent="0">
+              <a:buNone/>
+              <a:defRPr sz="2976" b="1"/>
             </a:lvl3pPr>
-            <a:lvl4pPr marL="2159996" indent="0">
-              <a:buNone/>
-              <a:defRPr sz="2520" b="1"/>
+            <a:lvl4pPr marL="2267941" indent="0">
+              <a:buNone/>
+              <a:defRPr sz="2646" b="1"/>
             </a:lvl4pPr>
-            <a:lvl5pPr marL="2879994" indent="0">
-              <a:buNone/>
-              <a:defRPr sz="2520" b="1"/>
+            <a:lvl5pPr marL="3023921" indent="0">
+              <a:buNone/>
+              <a:defRPr sz="2646" b="1"/>
             </a:lvl5pPr>
-            <a:lvl6pPr marL="3599993" indent="0">
-              <a:buNone/>
-              <a:defRPr sz="2520" b="1"/>
+            <a:lvl6pPr marL="3779901" indent="0">
+              <a:buNone/>
+              <a:defRPr sz="2646" b="1"/>
             </a:lvl6pPr>
-            <a:lvl7pPr marL="4319991" indent="0">
-              <a:buNone/>
-              <a:defRPr sz="2520" b="1"/>
+            <a:lvl7pPr marL="4535881" indent="0">
+              <a:buNone/>
+              <a:defRPr sz="2646" b="1"/>
             </a:lvl7pPr>
-            <a:lvl8pPr marL="5039990" indent="0">
-              <a:buNone/>
-              <a:defRPr sz="2520" b="1"/>
+            <a:lvl8pPr marL="5291861" indent="0">
+              <a:buNone/>
+              <a:defRPr sz="2646" b="1"/>
             </a:lvl8pPr>
-            <a:lvl9pPr marL="5759988" indent="0">
-              <a:buNone/>
-              <a:defRPr sz="2520" b="1"/>
+            <a:lvl9pPr marL="6047842" indent="0">
+              <a:buNone/>
+              <a:defRPr sz="2646" b="1"/>
             </a:lvl9pPr>
           </a:lstStyle>
           <a:p>
@@ -1863,8 +1863,8 @@
         </p:nvSpPr>
         <p:spPr>
           <a:xfrm>
-            <a:off x="991892" y="4470863"/>
-            <a:ext cx="6091964" cy="6575966"/>
+            <a:off x="1041426" y="4602496"/>
+            <a:ext cx="6396193" cy="6769578"/>
           </a:xfrm>
         </p:spPr>
         <p:txBody>
@@ -1920,8 +1920,8 @@
         </p:nvSpPr>
         <p:spPr>
           <a:xfrm>
-            <a:off x="7290109" y="3000409"/>
-            <a:ext cx="6121966" cy="1470454"/>
+            <a:off x="7654172" y="3088748"/>
+            <a:ext cx="6427693" cy="1513748"/>
           </a:xfrm>
         </p:spPr>
         <p:txBody>
@@ -1929,39 +1929,39 @@
           <a:lstStyle>
             <a:lvl1pPr marL="0" indent="0">
               <a:buNone/>
-              <a:defRPr sz="3780" b="1"/>
+              <a:defRPr sz="3968" b="1"/>
             </a:lvl1pPr>
-            <a:lvl2pPr marL="719999" indent="0">
-              <a:buNone/>
-              <a:defRPr sz="3150" b="1"/>
+            <a:lvl2pPr marL="755980" indent="0">
+              <a:buNone/>
+              <a:defRPr sz="3307" b="1"/>
             </a:lvl2pPr>
-            <a:lvl3pPr marL="1439997" indent="0">
-              <a:buNone/>
-              <a:defRPr sz="2835" b="1"/>
+            <a:lvl3pPr marL="1511960" indent="0">
+              <a:buNone/>
+              <a:defRPr sz="2976" b="1"/>
             </a:lvl3pPr>
-            <a:lvl4pPr marL="2159996" indent="0">
-              <a:buNone/>
-              <a:defRPr sz="2520" b="1"/>
+            <a:lvl4pPr marL="2267941" indent="0">
+              <a:buNone/>
+              <a:defRPr sz="2646" b="1"/>
             </a:lvl4pPr>
-            <a:lvl5pPr marL="2879994" indent="0">
-              <a:buNone/>
-              <a:defRPr sz="2520" b="1"/>
+            <a:lvl5pPr marL="3023921" indent="0">
+              <a:buNone/>
+              <a:defRPr sz="2646" b="1"/>
             </a:lvl5pPr>
-            <a:lvl6pPr marL="3599993" indent="0">
-              <a:buNone/>
-              <a:defRPr sz="2520" b="1"/>
+            <a:lvl6pPr marL="3779901" indent="0">
+              <a:buNone/>
+              <a:defRPr sz="2646" b="1"/>
             </a:lvl6pPr>
-            <a:lvl7pPr marL="4319991" indent="0">
-              <a:buNone/>
-              <a:defRPr sz="2520" b="1"/>
+            <a:lvl7pPr marL="4535881" indent="0">
+              <a:buNone/>
+              <a:defRPr sz="2646" b="1"/>
             </a:lvl7pPr>
-            <a:lvl8pPr marL="5039990" indent="0">
-              <a:buNone/>
-              <a:defRPr sz="2520" b="1"/>
+            <a:lvl8pPr marL="5291861" indent="0">
+              <a:buNone/>
+              <a:defRPr sz="2646" b="1"/>
             </a:lvl8pPr>
-            <a:lvl9pPr marL="5759988" indent="0">
-              <a:buNone/>
-              <a:defRPr sz="2520" b="1"/>
+            <a:lvl9pPr marL="6047842" indent="0">
+              <a:buNone/>
+              <a:defRPr sz="2646" b="1"/>
             </a:lvl9pPr>
           </a:lstStyle>
           <a:p>
@@ -1985,8 +1985,8 @@
         </p:nvSpPr>
         <p:spPr>
           <a:xfrm>
-            <a:off x="7290109" y="4470863"/>
-            <a:ext cx="6121966" cy="6575966"/>
+            <a:off x="7654172" y="4602496"/>
+            <a:ext cx="6427693" cy="6769578"/>
           </a:xfrm>
         </p:spPr>
         <p:txBody>
@@ -2098,7 +2098,7 @@
     </p:spTree>
     <p:extLst>
       <p:ext uri="{BB962C8B-B14F-4D97-AF65-F5344CB8AC3E}">
-        <p14:creationId xmlns:p14="http://schemas.microsoft.com/office/powerpoint/2010/main" val="3588436084"/>
+        <p14:creationId xmlns:p14="http://schemas.microsoft.com/office/powerpoint/2010/main" val="3195693007"/>
       </p:ext>
     </p:extLst>
   </p:cSld>
@@ -2216,7 +2216,7 @@
     </p:spTree>
     <p:extLst>
       <p:ext uri="{BB962C8B-B14F-4D97-AF65-F5344CB8AC3E}">
-        <p14:creationId xmlns:p14="http://schemas.microsoft.com/office/powerpoint/2010/main" val="896093318"/>
+        <p14:creationId xmlns:p14="http://schemas.microsoft.com/office/powerpoint/2010/main" val="449715124"/>
       </p:ext>
     </p:extLst>
   </p:cSld>
@@ -2311,7 +2311,7 @@
     </p:spTree>
     <p:extLst>
       <p:ext uri="{BB962C8B-B14F-4D97-AF65-F5344CB8AC3E}">
-        <p14:creationId xmlns:p14="http://schemas.microsoft.com/office/powerpoint/2010/main" val="3764969706"/>
+        <p14:creationId xmlns:p14="http://schemas.microsoft.com/office/powerpoint/2010/main" val="9102475"/>
       </p:ext>
     </p:extLst>
   </p:cSld>
@@ -2350,15 +2350,15 @@
         </p:nvSpPr>
         <p:spPr>
           <a:xfrm>
-            <a:off x="991890" y="815975"/>
-            <a:ext cx="4644444" cy="2855913"/>
+            <a:off x="1041425" y="839999"/>
+            <a:ext cx="4876384" cy="2939997"/>
           </a:xfrm>
         </p:spPr>
         <p:txBody>
           <a:bodyPr anchor="b"/>
           <a:lstStyle>
             <a:lvl1pPr>
-              <a:defRPr sz="5039"/>
+              <a:defRPr sz="5291"/>
             </a:lvl1pPr>
           </a:lstStyle>
           <a:p>
@@ -2382,39 +2382,39 @@
         </p:nvSpPr>
         <p:spPr>
           <a:xfrm>
-            <a:off x="6121966" y="1762282"/>
-            <a:ext cx="7290108" cy="8698067"/>
+            <a:off x="6427693" y="1814168"/>
+            <a:ext cx="7654171" cy="8954158"/>
           </a:xfrm>
         </p:spPr>
         <p:txBody>
           <a:bodyPr/>
           <a:lstStyle>
             <a:lvl1pPr>
-              <a:defRPr sz="5039"/>
+              <a:defRPr sz="5291"/>
             </a:lvl1pPr>
             <a:lvl2pPr>
-              <a:defRPr sz="4409"/>
+              <a:defRPr sz="4630"/>
             </a:lvl2pPr>
             <a:lvl3pPr>
-              <a:defRPr sz="3780"/>
+              <a:defRPr sz="3968"/>
             </a:lvl3pPr>
             <a:lvl4pPr>
-              <a:defRPr sz="3150"/>
+              <a:defRPr sz="3307"/>
             </a:lvl4pPr>
             <a:lvl5pPr>
-              <a:defRPr sz="3150"/>
+              <a:defRPr sz="3307"/>
             </a:lvl5pPr>
             <a:lvl6pPr>
-              <a:defRPr sz="3150"/>
+              <a:defRPr sz="3307"/>
             </a:lvl6pPr>
             <a:lvl7pPr>
-              <a:defRPr sz="3150"/>
+              <a:defRPr sz="3307"/>
             </a:lvl7pPr>
             <a:lvl8pPr>
-              <a:defRPr sz="3150"/>
+              <a:defRPr sz="3307"/>
             </a:lvl8pPr>
             <a:lvl9pPr>
-              <a:defRPr sz="3150"/>
+              <a:defRPr sz="3307"/>
             </a:lvl9pPr>
           </a:lstStyle>
           <a:p>
@@ -2467,8 +2467,8 @@
         </p:nvSpPr>
         <p:spPr>
           <a:xfrm>
-            <a:off x="991890" y="3671887"/>
-            <a:ext cx="4644444" cy="6802626"/>
+            <a:off x="1041425" y="3779996"/>
+            <a:ext cx="4876384" cy="7002911"/>
           </a:xfrm>
         </p:spPr>
         <p:txBody>
@@ -2476,39 +2476,39 @@
           <a:lstStyle>
             <a:lvl1pPr marL="0" indent="0">
               <a:buNone/>
-              <a:defRPr sz="2520"/>
+              <a:defRPr sz="2646"/>
             </a:lvl1pPr>
-            <a:lvl2pPr marL="719999" indent="0">
-              <a:buNone/>
-              <a:defRPr sz="2205"/>
+            <a:lvl2pPr marL="755980" indent="0">
+              <a:buNone/>
+              <a:defRPr sz="2315"/>
             </a:lvl2pPr>
-            <a:lvl3pPr marL="1439997" indent="0">
-              <a:buNone/>
-              <a:defRPr sz="1890"/>
+            <a:lvl3pPr marL="1511960" indent="0">
+              <a:buNone/>
+              <a:defRPr sz="1984"/>
             </a:lvl3pPr>
-            <a:lvl4pPr marL="2159996" indent="0">
-              <a:buNone/>
-              <a:defRPr sz="1575"/>
+            <a:lvl4pPr marL="2267941" indent="0">
+              <a:buNone/>
+              <a:defRPr sz="1654"/>
             </a:lvl4pPr>
-            <a:lvl5pPr marL="2879994" indent="0">
-              <a:buNone/>
-              <a:defRPr sz="1575"/>
+            <a:lvl5pPr marL="3023921" indent="0">
+              <a:buNone/>
+              <a:defRPr sz="1654"/>
             </a:lvl5pPr>
-            <a:lvl6pPr marL="3599993" indent="0">
-              <a:buNone/>
-              <a:defRPr sz="1575"/>
+            <a:lvl6pPr marL="3779901" indent="0">
+              <a:buNone/>
+              <a:defRPr sz="1654"/>
             </a:lvl6pPr>
-            <a:lvl7pPr marL="4319991" indent="0">
-              <a:buNone/>
-              <a:defRPr sz="1575"/>
+            <a:lvl7pPr marL="4535881" indent="0">
+              <a:buNone/>
+              <a:defRPr sz="1654"/>
             </a:lvl7pPr>
-            <a:lvl8pPr marL="5039990" indent="0">
-              <a:buNone/>
-              <a:defRPr sz="1575"/>
+            <a:lvl8pPr marL="5291861" indent="0">
+              <a:buNone/>
+              <a:defRPr sz="1654"/>
             </a:lvl8pPr>
-            <a:lvl9pPr marL="5759988" indent="0">
-              <a:buNone/>
-              <a:defRPr sz="1575"/>
+            <a:lvl9pPr marL="6047842" indent="0">
+              <a:buNone/>
+              <a:defRPr sz="1654"/>
             </a:lvl9pPr>
           </a:lstStyle>
           <a:p>
@@ -2588,7 +2588,7 @@
     </p:spTree>
     <p:extLst>
       <p:ext uri="{BB962C8B-B14F-4D97-AF65-F5344CB8AC3E}">
-        <p14:creationId xmlns:p14="http://schemas.microsoft.com/office/powerpoint/2010/main" val="1694128885"/>
+        <p14:creationId xmlns:p14="http://schemas.microsoft.com/office/powerpoint/2010/main" val="4205879695"/>
       </p:ext>
     </p:extLst>
   </p:cSld>
@@ -2627,15 +2627,15 @@
         </p:nvSpPr>
         <p:spPr>
           <a:xfrm>
-            <a:off x="991890" y="815975"/>
-            <a:ext cx="4644444" cy="2855913"/>
+            <a:off x="1041425" y="839999"/>
+            <a:ext cx="4876384" cy="2939997"/>
           </a:xfrm>
         </p:spPr>
         <p:txBody>
           <a:bodyPr anchor="b"/>
           <a:lstStyle>
             <a:lvl1pPr>
-              <a:defRPr sz="5039"/>
+              <a:defRPr sz="5291"/>
             </a:lvl1pPr>
           </a:lstStyle>
           <a:p>
@@ -2659,8 +2659,8 @@
         </p:nvSpPr>
         <p:spPr>
           <a:xfrm>
-            <a:off x="6121966" y="1762282"/>
-            <a:ext cx="7290108" cy="8698067"/>
+            <a:off x="6427693" y="1814168"/>
+            <a:ext cx="7654171" cy="8954158"/>
           </a:xfrm>
         </p:spPr>
         <p:txBody>
@@ -2668,39 +2668,39 @@
           <a:lstStyle>
             <a:lvl1pPr marL="0" indent="0">
               <a:buNone/>
-              <a:defRPr sz="5039"/>
+              <a:defRPr sz="5291"/>
             </a:lvl1pPr>
-            <a:lvl2pPr marL="719999" indent="0">
-              <a:buNone/>
-              <a:defRPr sz="4409"/>
+            <a:lvl2pPr marL="755980" indent="0">
+              <a:buNone/>
+              <a:defRPr sz="4630"/>
             </a:lvl2pPr>
-            <a:lvl3pPr marL="1439997" indent="0">
-              <a:buNone/>
-              <a:defRPr sz="3780"/>
+            <a:lvl3pPr marL="1511960" indent="0">
+              <a:buNone/>
+              <a:defRPr sz="3968"/>
             </a:lvl3pPr>
-            <a:lvl4pPr marL="2159996" indent="0">
-              <a:buNone/>
-              <a:defRPr sz="3150"/>
+            <a:lvl4pPr marL="2267941" indent="0">
+              <a:buNone/>
+              <a:defRPr sz="3307"/>
             </a:lvl4pPr>
-            <a:lvl5pPr marL="2879994" indent="0">
-              <a:buNone/>
-              <a:defRPr sz="3150"/>
+            <a:lvl5pPr marL="3023921" indent="0">
+              <a:buNone/>
+              <a:defRPr sz="3307"/>
             </a:lvl5pPr>
-            <a:lvl6pPr marL="3599993" indent="0">
-              <a:buNone/>
-              <a:defRPr sz="3150"/>
+            <a:lvl6pPr marL="3779901" indent="0">
+              <a:buNone/>
+              <a:defRPr sz="3307"/>
             </a:lvl6pPr>
-            <a:lvl7pPr marL="4319991" indent="0">
-              <a:buNone/>
-              <a:defRPr sz="3150"/>
+            <a:lvl7pPr marL="4535881" indent="0">
+              <a:buNone/>
+              <a:defRPr sz="3307"/>
             </a:lvl7pPr>
-            <a:lvl8pPr marL="5039990" indent="0">
-              <a:buNone/>
-              <a:defRPr sz="3150"/>
+            <a:lvl8pPr marL="5291861" indent="0">
+              <a:buNone/>
+              <a:defRPr sz="3307"/>
             </a:lvl8pPr>
-            <a:lvl9pPr marL="5759988" indent="0">
-              <a:buNone/>
-              <a:defRPr sz="3150"/>
+            <a:lvl9pPr marL="6047842" indent="0">
+              <a:buNone/>
+              <a:defRPr sz="3307"/>
             </a:lvl9pPr>
           </a:lstStyle>
           <a:p>
@@ -2724,8 +2724,8 @@
         </p:nvSpPr>
         <p:spPr>
           <a:xfrm>
-            <a:off x="991890" y="3671887"/>
-            <a:ext cx="4644444" cy="6802626"/>
+            <a:off x="1041425" y="3779996"/>
+            <a:ext cx="4876384" cy="7002911"/>
           </a:xfrm>
         </p:spPr>
         <p:txBody>
@@ -2733,39 +2733,39 @@
           <a:lstStyle>
             <a:lvl1pPr marL="0" indent="0">
               <a:buNone/>
-              <a:defRPr sz="2520"/>
+              <a:defRPr sz="2646"/>
             </a:lvl1pPr>
-            <a:lvl2pPr marL="719999" indent="0">
-              <a:buNone/>
-              <a:defRPr sz="2205"/>
+            <a:lvl2pPr marL="755980" indent="0">
+              <a:buNone/>
+              <a:defRPr sz="2315"/>
             </a:lvl2pPr>
-            <a:lvl3pPr marL="1439997" indent="0">
-              <a:buNone/>
-              <a:defRPr sz="1890"/>
+            <a:lvl3pPr marL="1511960" indent="0">
+              <a:buNone/>
+              <a:defRPr sz="1984"/>
             </a:lvl3pPr>
-            <a:lvl4pPr marL="2159996" indent="0">
-              <a:buNone/>
-              <a:defRPr sz="1575"/>
+            <a:lvl4pPr marL="2267941" indent="0">
+              <a:buNone/>
+              <a:defRPr sz="1654"/>
             </a:lvl4pPr>
-            <a:lvl5pPr marL="2879994" indent="0">
-              <a:buNone/>
-              <a:defRPr sz="1575"/>
+            <a:lvl5pPr marL="3023921" indent="0">
+              <a:buNone/>
+              <a:defRPr sz="1654"/>
             </a:lvl5pPr>
-            <a:lvl6pPr marL="3599993" indent="0">
-              <a:buNone/>
-              <a:defRPr sz="1575"/>
+            <a:lvl6pPr marL="3779901" indent="0">
+              <a:buNone/>
+              <a:defRPr sz="1654"/>
             </a:lvl6pPr>
-            <a:lvl7pPr marL="4319991" indent="0">
-              <a:buNone/>
-              <a:defRPr sz="1575"/>
+            <a:lvl7pPr marL="4535881" indent="0">
+              <a:buNone/>
+              <a:defRPr sz="1654"/>
             </a:lvl7pPr>
-            <a:lvl8pPr marL="5039990" indent="0">
-              <a:buNone/>
-              <a:defRPr sz="1575"/>
+            <a:lvl8pPr marL="5291861" indent="0">
+              <a:buNone/>
+              <a:defRPr sz="1654"/>
             </a:lvl8pPr>
-            <a:lvl9pPr marL="5759988" indent="0">
-              <a:buNone/>
-              <a:defRPr sz="1575"/>
+            <a:lvl9pPr marL="6047842" indent="0">
+              <a:buNone/>
+              <a:defRPr sz="1654"/>
             </a:lvl9pPr>
           </a:lstStyle>
           <a:p>
@@ -2845,7 +2845,7 @@
     </p:spTree>
     <p:extLst>
       <p:ext uri="{BB962C8B-B14F-4D97-AF65-F5344CB8AC3E}">
-        <p14:creationId xmlns:p14="http://schemas.microsoft.com/office/powerpoint/2010/main" val="3092698978"/>
+        <p14:creationId xmlns:p14="http://schemas.microsoft.com/office/powerpoint/2010/main" val="1960490905"/>
       </p:ext>
     </p:extLst>
   </p:cSld>
@@ -2889,8 +2889,8 @@
         </p:nvSpPr>
         <p:spPr>
           <a:xfrm>
-            <a:off x="990015" y="651649"/>
-            <a:ext cx="12420184" cy="2365762"/>
+            <a:off x="1039456" y="670836"/>
+            <a:ext cx="13040439" cy="2435415"/>
           </a:xfrm>
           <a:prstGeom prst="rect">
             <a:avLst/>
@@ -2922,8 +2922,8 @@
         </p:nvSpPr>
         <p:spPr>
           <a:xfrm>
-            <a:off x="990015" y="3258233"/>
-            <a:ext cx="12420184" cy="7765930"/>
+            <a:off x="1039456" y="3354163"/>
+            <a:ext cx="13040439" cy="7994577"/>
           </a:xfrm>
           <a:prstGeom prst="rect">
             <a:avLst/>
@@ -2984,8 +2984,8 @@
         </p:nvSpPr>
         <p:spPr>
           <a:xfrm>
-            <a:off x="990015" y="11344322"/>
-            <a:ext cx="3240048" cy="651647"/>
+            <a:off x="1039455" y="11678325"/>
+            <a:ext cx="3401854" cy="670833"/>
           </a:xfrm>
           <a:prstGeom prst="rect">
             <a:avLst/>
@@ -2995,7 +2995,7 @@
           <a:bodyPr vert="horz" lIns="91440" tIns="45720" rIns="91440" bIns="45720" rtlCol="0" anchor="ctr"/>
           <a:lstStyle>
             <a:lvl1pPr algn="l">
-              <a:defRPr sz="1890">
+              <a:defRPr sz="1984">
                 <a:solidFill>
                   <a:schemeClr val="tx1">
                     <a:tint val="75000"/>
@@ -3025,8 +3025,8 @@
         </p:nvSpPr>
         <p:spPr>
           <a:xfrm>
-            <a:off x="4770071" y="11344322"/>
-            <a:ext cx="4860072" cy="651647"/>
+            <a:off x="5008285" y="11678325"/>
+            <a:ext cx="5102781" cy="670833"/>
           </a:xfrm>
           <a:prstGeom prst="rect">
             <a:avLst/>
@@ -3036,7 +3036,7 @@
           <a:bodyPr vert="horz" lIns="91440" tIns="45720" rIns="91440" bIns="45720" rtlCol="0" anchor="ctr"/>
           <a:lstStyle>
             <a:lvl1pPr algn="ctr">
-              <a:defRPr sz="1890">
+              <a:defRPr sz="1984">
                 <a:solidFill>
                   <a:schemeClr val="tx1">
                     <a:tint val="75000"/>
@@ -3062,8 +3062,8 @@
         </p:nvSpPr>
         <p:spPr>
           <a:xfrm>
-            <a:off x="10170150" y="11344322"/>
-            <a:ext cx="3240048" cy="651647"/>
+            <a:off x="10678041" y="11678325"/>
+            <a:ext cx="3401854" cy="670833"/>
           </a:xfrm>
           <a:prstGeom prst="rect">
             <a:avLst/>
@@ -3073,7 +3073,7 @@
           <a:bodyPr vert="horz" lIns="91440" tIns="45720" rIns="91440" bIns="45720" rtlCol="0" anchor="ctr"/>
           <a:lstStyle>
             <a:lvl1pPr algn="r">
-              <a:defRPr sz="1890">
+              <a:defRPr sz="1984">
                 <a:solidFill>
                   <a:schemeClr val="tx1">
                     <a:tint val="75000"/>
@@ -3094,27 +3094,27 @@
     </p:spTree>
     <p:extLst>
       <p:ext uri="{BB962C8B-B14F-4D97-AF65-F5344CB8AC3E}">
-        <p14:creationId xmlns:p14="http://schemas.microsoft.com/office/powerpoint/2010/main" val="1873381220"/>
+        <p14:creationId xmlns:p14="http://schemas.microsoft.com/office/powerpoint/2010/main" val="3069460220"/>
       </p:ext>
     </p:extLst>
   </p:cSld>
   <p:clrMap bg1="lt1" tx1="dk1" bg2="lt2" tx2="dk2" accent1="accent1" accent2="accent2" accent3="accent3" accent4="accent4" accent5="accent5" accent6="accent6" hlink="hlink" folHlink="folHlink"/>
   <p:sldLayoutIdLst>
-    <p:sldLayoutId id="2147483865" r:id="rId1"/>
-    <p:sldLayoutId id="2147483866" r:id="rId2"/>
-    <p:sldLayoutId id="2147483867" r:id="rId3"/>
-    <p:sldLayoutId id="2147483868" r:id="rId4"/>
-    <p:sldLayoutId id="2147483869" r:id="rId5"/>
-    <p:sldLayoutId id="2147483870" r:id="rId6"/>
-    <p:sldLayoutId id="2147483871" r:id="rId7"/>
-    <p:sldLayoutId id="2147483872" r:id="rId8"/>
-    <p:sldLayoutId id="2147483873" r:id="rId9"/>
-    <p:sldLayoutId id="2147483874" r:id="rId10"/>
-    <p:sldLayoutId id="2147483875" r:id="rId11"/>
+    <p:sldLayoutId id="2147483781" r:id="rId1"/>
+    <p:sldLayoutId id="2147483782" r:id="rId2"/>
+    <p:sldLayoutId id="2147483783" r:id="rId3"/>
+    <p:sldLayoutId id="2147483784" r:id="rId4"/>
+    <p:sldLayoutId id="2147483785" r:id="rId5"/>
+    <p:sldLayoutId id="2147483786" r:id="rId6"/>
+    <p:sldLayoutId id="2147483787" r:id="rId7"/>
+    <p:sldLayoutId id="2147483788" r:id="rId8"/>
+    <p:sldLayoutId id="2147483789" r:id="rId9"/>
+    <p:sldLayoutId id="2147483790" r:id="rId10"/>
+    <p:sldLayoutId id="2147483791" r:id="rId11"/>
   </p:sldLayoutIdLst>
   <p:txStyles>
     <p:titleStyle>
-      <a:lvl1pPr algn="l" defTabSz="1439997" rtl="0" eaLnBrk="1" latinLnBrk="0" hangingPunct="1">
+      <a:lvl1pPr algn="l" defTabSz="1511960" rtl="0" eaLnBrk="1" latinLnBrk="0" hangingPunct="1">
         <a:lnSpc>
           <a:spcPct val="90000"/>
         </a:lnSpc>
@@ -3122,7 +3122,7 @@
           <a:spcPct val="0"/>
         </a:spcBef>
         <a:buNone/>
-        <a:defRPr sz="6929" kern="1200">
+        <a:defRPr sz="7275" kern="1200">
           <a:solidFill>
             <a:schemeClr val="tx1"/>
           </a:solidFill>
@@ -3133,16 +3133,16 @@
       </a:lvl1pPr>
     </p:titleStyle>
     <p:bodyStyle>
-      <a:lvl1pPr marL="359999" indent="-359999" algn="l" defTabSz="1439997" rtl="0" eaLnBrk="1" latinLnBrk="0" hangingPunct="1">
+      <a:lvl1pPr marL="377990" indent="-377990" algn="l" defTabSz="1511960" rtl="0" eaLnBrk="1" latinLnBrk="0" hangingPunct="1">
         <a:lnSpc>
           <a:spcPct val="90000"/>
         </a:lnSpc>
         <a:spcBef>
-          <a:spcPts val="1575"/>
+          <a:spcPts val="1654"/>
         </a:spcBef>
         <a:buFont typeface="Arial" panose="020B0604020202020204" pitchFamily="34" charset="0"/>
         <a:buChar char="•"/>
-        <a:defRPr sz="4409" kern="1200">
+        <a:defRPr sz="4630" kern="1200">
           <a:solidFill>
             <a:schemeClr val="tx1"/>
           </a:solidFill>
@@ -3151,16 +3151,16 @@
           <a:cs typeface="+mn-cs"/>
         </a:defRPr>
       </a:lvl1pPr>
-      <a:lvl2pPr marL="1079998" indent="-359999" algn="l" defTabSz="1439997" rtl="0" eaLnBrk="1" latinLnBrk="0" hangingPunct="1">
+      <a:lvl2pPr marL="1133970" indent="-377990" algn="l" defTabSz="1511960" rtl="0" eaLnBrk="1" latinLnBrk="0" hangingPunct="1">
         <a:lnSpc>
           <a:spcPct val="90000"/>
         </a:lnSpc>
         <a:spcBef>
-          <a:spcPts val="787"/>
+          <a:spcPts val="827"/>
         </a:spcBef>
         <a:buFont typeface="Arial" panose="020B0604020202020204" pitchFamily="34" charset="0"/>
         <a:buChar char="•"/>
-        <a:defRPr sz="3780" kern="1200">
+        <a:defRPr sz="3968" kern="1200">
           <a:solidFill>
             <a:schemeClr val="tx1"/>
           </a:solidFill>
@@ -3169,16 +3169,16 @@
           <a:cs typeface="+mn-cs"/>
         </a:defRPr>
       </a:lvl2pPr>
-      <a:lvl3pPr marL="1799996" indent="-359999" algn="l" defTabSz="1439997" rtl="0" eaLnBrk="1" latinLnBrk="0" hangingPunct="1">
+      <a:lvl3pPr marL="1889951" indent="-377990" algn="l" defTabSz="1511960" rtl="0" eaLnBrk="1" latinLnBrk="0" hangingPunct="1">
         <a:lnSpc>
           <a:spcPct val="90000"/>
         </a:lnSpc>
         <a:spcBef>
-          <a:spcPts val="787"/>
+          <a:spcPts val="827"/>
         </a:spcBef>
         <a:buFont typeface="Arial" panose="020B0604020202020204" pitchFamily="34" charset="0"/>
         <a:buChar char="•"/>
-        <a:defRPr sz="3150" kern="1200">
+        <a:defRPr sz="3307" kern="1200">
           <a:solidFill>
             <a:schemeClr val="tx1"/>
           </a:solidFill>
@@ -3187,16 +3187,16 @@
           <a:cs typeface="+mn-cs"/>
         </a:defRPr>
       </a:lvl3pPr>
-      <a:lvl4pPr marL="2519995" indent="-359999" algn="l" defTabSz="1439997" rtl="0" eaLnBrk="1" latinLnBrk="0" hangingPunct="1">
+      <a:lvl4pPr marL="2645931" indent="-377990" algn="l" defTabSz="1511960" rtl="0" eaLnBrk="1" latinLnBrk="0" hangingPunct="1">
         <a:lnSpc>
           <a:spcPct val="90000"/>
         </a:lnSpc>
         <a:spcBef>
-          <a:spcPts val="787"/>
+          <a:spcPts val="827"/>
         </a:spcBef>
         <a:buFont typeface="Arial" panose="020B0604020202020204" pitchFamily="34" charset="0"/>
         <a:buChar char="•"/>
-        <a:defRPr sz="2835" kern="1200">
+        <a:defRPr sz="2976" kern="1200">
           <a:solidFill>
             <a:schemeClr val="tx1"/>
           </a:solidFill>
@@ -3205,16 +3205,16 @@
           <a:cs typeface="+mn-cs"/>
         </a:defRPr>
       </a:lvl4pPr>
-      <a:lvl5pPr marL="3239994" indent="-359999" algn="l" defTabSz="1439997" rtl="0" eaLnBrk="1" latinLnBrk="0" hangingPunct="1">
+      <a:lvl5pPr marL="3401911" indent="-377990" algn="l" defTabSz="1511960" rtl="0" eaLnBrk="1" latinLnBrk="0" hangingPunct="1">
         <a:lnSpc>
           <a:spcPct val="90000"/>
         </a:lnSpc>
         <a:spcBef>
-          <a:spcPts val="787"/>
+          <a:spcPts val="827"/>
         </a:spcBef>
         <a:buFont typeface="Arial" panose="020B0604020202020204" pitchFamily="34" charset="0"/>
         <a:buChar char="•"/>
-        <a:defRPr sz="2835" kern="1200">
+        <a:defRPr sz="2976" kern="1200">
           <a:solidFill>
             <a:schemeClr val="tx1"/>
           </a:solidFill>
@@ -3223,16 +3223,16 @@
           <a:cs typeface="+mn-cs"/>
         </a:defRPr>
       </a:lvl5pPr>
-      <a:lvl6pPr marL="3959992" indent="-359999" algn="l" defTabSz="1439997" rtl="0" eaLnBrk="1" latinLnBrk="0" hangingPunct="1">
+      <a:lvl6pPr marL="4157891" indent="-377990" algn="l" defTabSz="1511960" rtl="0" eaLnBrk="1" latinLnBrk="0" hangingPunct="1">
         <a:lnSpc>
           <a:spcPct val="90000"/>
         </a:lnSpc>
         <a:spcBef>
-          <a:spcPts val="787"/>
+          <a:spcPts val="827"/>
         </a:spcBef>
         <a:buFont typeface="Arial" panose="020B0604020202020204" pitchFamily="34" charset="0"/>
         <a:buChar char="•"/>
-        <a:defRPr sz="2835" kern="1200">
+        <a:defRPr sz="2976" kern="1200">
           <a:solidFill>
             <a:schemeClr val="tx1"/>
           </a:solidFill>
@@ -3241,16 +3241,16 @@
           <a:cs typeface="+mn-cs"/>
         </a:defRPr>
       </a:lvl6pPr>
-      <a:lvl7pPr marL="4679991" indent="-359999" algn="l" defTabSz="1439997" rtl="0" eaLnBrk="1" latinLnBrk="0" hangingPunct="1">
+      <a:lvl7pPr marL="4913871" indent="-377990" algn="l" defTabSz="1511960" rtl="0" eaLnBrk="1" latinLnBrk="0" hangingPunct="1">
         <a:lnSpc>
           <a:spcPct val="90000"/>
         </a:lnSpc>
         <a:spcBef>
-          <a:spcPts val="787"/>
+          <a:spcPts val="827"/>
         </a:spcBef>
         <a:buFont typeface="Arial" panose="020B0604020202020204" pitchFamily="34" charset="0"/>
         <a:buChar char="•"/>
-        <a:defRPr sz="2835" kern="1200">
+        <a:defRPr sz="2976" kern="1200">
           <a:solidFill>
             <a:schemeClr val="tx1"/>
           </a:solidFill>
@@ -3259,16 +3259,16 @@
           <a:cs typeface="+mn-cs"/>
         </a:defRPr>
       </a:lvl7pPr>
-      <a:lvl8pPr marL="5399989" indent="-359999" algn="l" defTabSz="1439997" rtl="0" eaLnBrk="1" latinLnBrk="0" hangingPunct="1">
+      <a:lvl8pPr marL="5669852" indent="-377990" algn="l" defTabSz="1511960" rtl="0" eaLnBrk="1" latinLnBrk="0" hangingPunct="1">
         <a:lnSpc>
           <a:spcPct val="90000"/>
         </a:lnSpc>
         <a:spcBef>
-          <a:spcPts val="787"/>
+          <a:spcPts val="827"/>
         </a:spcBef>
         <a:buFont typeface="Arial" panose="020B0604020202020204" pitchFamily="34" charset="0"/>
         <a:buChar char="•"/>
-        <a:defRPr sz="2835" kern="1200">
+        <a:defRPr sz="2976" kern="1200">
           <a:solidFill>
             <a:schemeClr val="tx1"/>
           </a:solidFill>
@@ -3277,16 +3277,16 @@
           <a:cs typeface="+mn-cs"/>
         </a:defRPr>
       </a:lvl8pPr>
-      <a:lvl9pPr marL="6119988" indent="-359999" algn="l" defTabSz="1439997" rtl="0" eaLnBrk="1" latinLnBrk="0" hangingPunct="1">
+      <a:lvl9pPr marL="6425832" indent="-377990" algn="l" defTabSz="1511960" rtl="0" eaLnBrk="1" latinLnBrk="0" hangingPunct="1">
         <a:lnSpc>
           <a:spcPct val="90000"/>
         </a:lnSpc>
         <a:spcBef>
-          <a:spcPts val="787"/>
+          <a:spcPts val="827"/>
         </a:spcBef>
         <a:buFont typeface="Arial" panose="020B0604020202020204" pitchFamily="34" charset="0"/>
         <a:buChar char="•"/>
-        <a:defRPr sz="2835" kern="1200">
+        <a:defRPr sz="2976" kern="1200">
           <a:solidFill>
             <a:schemeClr val="tx1"/>
           </a:solidFill>
@@ -3300,8 +3300,8 @@
       <a:defPPr>
         <a:defRPr lang="en-US"/>
       </a:defPPr>
-      <a:lvl1pPr marL="0" algn="l" defTabSz="1439997" rtl="0" eaLnBrk="1" latinLnBrk="0" hangingPunct="1">
-        <a:defRPr sz="2835" kern="1200">
+      <a:lvl1pPr marL="0" algn="l" defTabSz="1511960" rtl="0" eaLnBrk="1" latinLnBrk="0" hangingPunct="1">
+        <a:defRPr sz="2976" kern="1200">
           <a:solidFill>
             <a:schemeClr val="tx1"/>
           </a:solidFill>
@@ -3310,8 +3310,8 @@
           <a:cs typeface="+mn-cs"/>
         </a:defRPr>
       </a:lvl1pPr>
-      <a:lvl2pPr marL="719999" algn="l" defTabSz="1439997" rtl="0" eaLnBrk="1" latinLnBrk="0" hangingPunct="1">
-        <a:defRPr sz="2835" kern="1200">
+      <a:lvl2pPr marL="755980" algn="l" defTabSz="1511960" rtl="0" eaLnBrk="1" latinLnBrk="0" hangingPunct="1">
+        <a:defRPr sz="2976" kern="1200">
           <a:solidFill>
             <a:schemeClr val="tx1"/>
           </a:solidFill>
@@ -3320,8 +3320,8 @@
           <a:cs typeface="+mn-cs"/>
         </a:defRPr>
       </a:lvl2pPr>
-      <a:lvl3pPr marL="1439997" algn="l" defTabSz="1439997" rtl="0" eaLnBrk="1" latinLnBrk="0" hangingPunct="1">
-        <a:defRPr sz="2835" kern="1200">
+      <a:lvl3pPr marL="1511960" algn="l" defTabSz="1511960" rtl="0" eaLnBrk="1" latinLnBrk="0" hangingPunct="1">
+        <a:defRPr sz="2976" kern="1200">
           <a:solidFill>
             <a:schemeClr val="tx1"/>
           </a:solidFill>
@@ -3330,8 +3330,8 @@
           <a:cs typeface="+mn-cs"/>
         </a:defRPr>
       </a:lvl3pPr>
-      <a:lvl4pPr marL="2159996" algn="l" defTabSz="1439997" rtl="0" eaLnBrk="1" latinLnBrk="0" hangingPunct="1">
-        <a:defRPr sz="2835" kern="1200">
+      <a:lvl4pPr marL="2267941" algn="l" defTabSz="1511960" rtl="0" eaLnBrk="1" latinLnBrk="0" hangingPunct="1">
+        <a:defRPr sz="2976" kern="1200">
           <a:solidFill>
             <a:schemeClr val="tx1"/>
           </a:solidFill>
@@ -3340,8 +3340,8 @@
           <a:cs typeface="+mn-cs"/>
         </a:defRPr>
       </a:lvl4pPr>
-      <a:lvl5pPr marL="2879994" algn="l" defTabSz="1439997" rtl="0" eaLnBrk="1" latinLnBrk="0" hangingPunct="1">
-        <a:defRPr sz="2835" kern="1200">
+      <a:lvl5pPr marL="3023921" algn="l" defTabSz="1511960" rtl="0" eaLnBrk="1" latinLnBrk="0" hangingPunct="1">
+        <a:defRPr sz="2976" kern="1200">
           <a:solidFill>
             <a:schemeClr val="tx1"/>
           </a:solidFill>
@@ -3350,8 +3350,8 @@
           <a:cs typeface="+mn-cs"/>
         </a:defRPr>
       </a:lvl5pPr>
-      <a:lvl6pPr marL="3599993" algn="l" defTabSz="1439997" rtl="0" eaLnBrk="1" latinLnBrk="0" hangingPunct="1">
-        <a:defRPr sz="2835" kern="1200">
+      <a:lvl6pPr marL="3779901" algn="l" defTabSz="1511960" rtl="0" eaLnBrk="1" latinLnBrk="0" hangingPunct="1">
+        <a:defRPr sz="2976" kern="1200">
           <a:solidFill>
             <a:schemeClr val="tx1"/>
           </a:solidFill>
@@ -3360,8 +3360,8 @@
           <a:cs typeface="+mn-cs"/>
         </a:defRPr>
       </a:lvl6pPr>
-      <a:lvl7pPr marL="4319991" algn="l" defTabSz="1439997" rtl="0" eaLnBrk="1" latinLnBrk="0" hangingPunct="1">
-        <a:defRPr sz="2835" kern="1200">
+      <a:lvl7pPr marL="4535881" algn="l" defTabSz="1511960" rtl="0" eaLnBrk="1" latinLnBrk="0" hangingPunct="1">
+        <a:defRPr sz="2976" kern="1200">
           <a:solidFill>
             <a:schemeClr val="tx1"/>
           </a:solidFill>
@@ -3370,8 +3370,8 @@
           <a:cs typeface="+mn-cs"/>
         </a:defRPr>
       </a:lvl7pPr>
-      <a:lvl8pPr marL="5039990" algn="l" defTabSz="1439997" rtl="0" eaLnBrk="1" latinLnBrk="0" hangingPunct="1">
-        <a:defRPr sz="2835" kern="1200">
+      <a:lvl8pPr marL="5291861" algn="l" defTabSz="1511960" rtl="0" eaLnBrk="1" latinLnBrk="0" hangingPunct="1">
+        <a:defRPr sz="2976" kern="1200">
           <a:solidFill>
             <a:schemeClr val="tx1"/>
           </a:solidFill>
@@ -3380,8 +3380,8 @@
           <a:cs typeface="+mn-cs"/>
         </a:defRPr>
       </a:lvl8pPr>
-      <a:lvl9pPr marL="5759988" algn="l" defTabSz="1439997" rtl="0" eaLnBrk="1" latinLnBrk="0" hangingPunct="1">
-        <a:defRPr sz="2835" kern="1200">
+      <a:lvl9pPr marL="6047842" algn="l" defTabSz="1511960" rtl="0" eaLnBrk="1" latinLnBrk="0" hangingPunct="1">
+        <a:defRPr sz="2976" kern="1200">
           <a:solidFill>
             <a:schemeClr val="tx1"/>
           </a:solidFill>
@@ -3414,10 +3414,10 @@
       </p:grpSpPr>
       <p:pic>
         <p:nvPicPr>
-          <p:cNvPr id="7" name="图片 6">
+          <p:cNvPr id="9" name="图片 8">
             <a:extLst>
               <a:ext uri="{FF2B5EF4-FFF2-40B4-BE49-F238E27FC236}">
-                <a16:creationId xmlns:a16="http://schemas.microsoft.com/office/drawing/2014/main" id="{EA6AA324-8DF4-68E7-17D9-17126C5C2730}"/>
+                <a16:creationId xmlns:a16="http://schemas.microsoft.com/office/drawing/2014/main" id="{D518E4FE-12B0-B14E-0B20-C8668885A79B}"/>
               </a:ext>
             </a:extLst>
           </p:cNvPr>
@@ -3434,20 +3434,114 @@
         </p:blipFill>
         <p:spPr>
           <a:xfrm>
-            <a:off x="0" y="-1"/>
-            <a:ext cx="12839682" cy="12239625"/>
+            <a:off x="8790688" y="0"/>
+            <a:ext cx="4400499" cy="12599988"/>
           </a:xfrm>
           <a:prstGeom prst="rect">
             <a:avLst/>
           </a:prstGeom>
         </p:spPr>
       </p:pic>
-      <p:sp>
-        <p:nvSpPr>
-          <p:cNvPr id="3" name="Rectangle 22">
+      <p:pic>
+        <p:nvPicPr>
+          <p:cNvPr id="6" name="图片 5">
             <a:extLst>
               <a:ext uri="{FF2B5EF4-FFF2-40B4-BE49-F238E27FC236}">
-                <a16:creationId xmlns:a16="http://schemas.microsoft.com/office/drawing/2014/main" id="{96127036-01FF-445F-AE38-7915614E8B3D}"/>
+                <a16:creationId xmlns:a16="http://schemas.microsoft.com/office/drawing/2014/main" id="{3B0BB9FC-C1C1-E826-0E2C-A15871A12C25}"/>
+              </a:ext>
+            </a:extLst>
+          </p:cNvPr>
+          <p:cNvPicPr>
+            <a:picLocks noChangeAspect="1"/>
+          </p:cNvPicPr>
+          <p:nvPr/>
+        </p:nvPicPr>
+        <p:blipFill>
+          <a:blip r:embed="rId4"/>
+          <a:stretch>
+            <a:fillRect/>
+          </a:stretch>
+        </p:blipFill>
+        <p:spPr>
+          <a:xfrm>
+            <a:off x="0" y="0"/>
+            <a:ext cx="8790689" cy="12599988"/>
+          </a:xfrm>
+          <a:prstGeom prst="rect">
+            <a:avLst/>
+          </a:prstGeom>
+        </p:spPr>
+      </p:pic>
+      <p:sp>
+        <p:nvSpPr>
+          <p:cNvPr id="17" name="Oval 19">
+            <a:extLst>
+              <a:ext uri="{FF2B5EF4-FFF2-40B4-BE49-F238E27FC236}">
+                <a16:creationId xmlns:a16="http://schemas.microsoft.com/office/drawing/2014/main" id="{0FE4A969-ABA9-A336-C673-F0B7784E4402}"/>
+              </a:ext>
+            </a:extLst>
+          </p:cNvPr>
+          <p:cNvSpPr>
+            <a:spLocks noChangeAspect="1"/>
+          </p:cNvSpPr>
+          <p:nvPr/>
+        </p:nvSpPr>
+        <p:spPr>
+          <a:xfrm>
+            <a:off x="11944322" y="6702851"/>
+            <a:ext cx="826771" cy="826771"/>
+          </a:xfrm>
+          <a:prstGeom prst="ellipse">
+            <a:avLst/>
+          </a:prstGeom>
+          <a:solidFill>
+            <a:srgbClr val="F79647"/>
+          </a:solidFill>
+          <a:ln>
+            <a:noFill/>
+          </a:ln>
+        </p:spPr>
+        <p:style>
+          <a:lnRef idx="2">
+            <a:schemeClr val="accent1">
+              <a:shade val="15000"/>
+            </a:schemeClr>
+          </a:lnRef>
+          <a:fillRef idx="1">
+            <a:schemeClr val="accent1"/>
+          </a:fillRef>
+          <a:effectRef idx="0">
+            <a:schemeClr val="accent1"/>
+          </a:effectRef>
+          <a:fontRef idx="minor">
+            <a:schemeClr val="lt1"/>
+          </a:fontRef>
+        </p:style>
+        <p:txBody>
+          <a:bodyPr tIns="165354" bIns="248032" rtlCol="0" anchor="ctr"/>
+          <a:lstStyle/>
+          <a:p>
+            <a:pPr algn="ctr"/>
+            <a:r>
+              <a:rPr lang="en-GB" sz="4000" dirty="0">
+                <a:latin typeface="Arial" panose="020B0604020202020204" pitchFamily="34" charset="0"/>
+                <a:cs typeface="Arial" panose="020B0604020202020204" pitchFamily="34" charset="0"/>
+              </a:rPr>
+              <a:t>d</a:t>
+            </a:r>
+            <a:endParaRPr lang="en-SE" sz="4000" dirty="0">
+              <a:latin typeface="Arial" panose="020B0604020202020204" pitchFamily="34" charset="0"/>
+              <a:cs typeface="Arial" panose="020B0604020202020204" pitchFamily="34" charset="0"/>
+            </a:endParaRPr>
+          </a:p>
+        </p:txBody>
+      </p:sp>
+      <p:sp>
+        <p:nvSpPr>
+          <p:cNvPr id="19" name="Rectangle 22">
+            <a:extLst>
+              <a:ext uri="{FF2B5EF4-FFF2-40B4-BE49-F238E27FC236}">
+                <a16:creationId xmlns:a16="http://schemas.microsoft.com/office/drawing/2014/main" id="{B26965CC-55B3-0461-1F6F-2AD9D62E5B6E}"/>
               </a:ext>
             </a:extLst>
           </p:cNvPr>
@@ -3456,8 +3550,8 @@
         </p:nvSpPr>
         <p:spPr>
           <a:xfrm>
-            <a:off x="5056337" y="6433809"/>
-            <a:ext cx="3550960" cy="4382329"/>
+            <a:off x="4432064" y="4017529"/>
+            <a:ext cx="3373372" cy="826771"/>
           </a:xfrm>
           <a:prstGeom prst="rect">
             <a:avLst/>
@@ -3491,28 +3585,187 @@
           <a:lstStyle/>
           <a:p>
             <a:pPr algn="ctr"/>
-            <a:endParaRPr lang="en-SE" sz="7263"/>
-          </a:p>
-        </p:txBody>
-      </p:sp>
-      <p:sp>
-        <p:nvSpPr>
-          <p:cNvPr id="18" name="Oval 19">
+            <a:endParaRPr lang="en-SE" sz="8867"/>
+          </a:p>
+        </p:txBody>
+      </p:sp>
+      <p:sp>
+        <p:nvSpPr>
+          <p:cNvPr id="28" name="Rectangle 22">
             <a:extLst>
               <a:ext uri="{FF2B5EF4-FFF2-40B4-BE49-F238E27FC236}">
-                <a16:creationId xmlns:a16="http://schemas.microsoft.com/office/drawing/2014/main" id="{6ADA430A-D79D-68E1-891F-738B9C0A955F}"/>
+                <a16:creationId xmlns:a16="http://schemas.microsoft.com/office/drawing/2014/main" id="{68129041-01D7-DFC9-01EC-2EB4C271A880}"/>
               </a:ext>
             </a:extLst>
           </p:cNvPr>
-          <p:cNvSpPr>
-            <a:spLocks noChangeAspect="1"/>
-          </p:cNvSpPr>
+          <p:cNvSpPr/>
           <p:nvPr/>
         </p:nvSpPr>
         <p:spPr>
           <a:xfrm>
-            <a:off x="11759861" y="2428673"/>
-            <a:ext cx="767201" cy="767201"/>
+            <a:off x="9423516" y="6591597"/>
+            <a:ext cx="3580925" cy="4447878"/>
+          </a:xfrm>
+          <a:prstGeom prst="rect">
+            <a:avLst/>
+          </a:prstGeom>
+          <a:noFill/>
+          <a:ln w="28575">
+            <a:solidFill>
+              <a:srgbClr val="F79647"/>
+            </a:solidFill>
+            <a:prstDash val="sysDot"/>
+          </a:ln>
+        </p:spPr>
+        <p:style>
+          <a:lnRef idx="2">
+            <a:schemeClr val="accent1">
+              <a:shade val="15000"/>
+            </a:schemeClr>
+          </a:lnRef>
+          <a:fillRef idx="1">
+            <a:schemeClr val="accent1"/>
+          </a:fillRef>
+          <a:effectRef idx="0">
+            <a:schemeClr val="accent1"/>
+          </a:effectRef>
+          <a:fontRef idx="minor">
+            <a:schemeClr val="lt1"/>
+          </a:fontRef>
+        </p:style>
+        <p:txBody>
+          <a:bodyPr rtlCol="0" anchor="ctr"/>
+          <a:lstStyle/>
+          <a:p>
+            <a:pPr algn="ctr"/>
+            <a:endParaRPr lang="en-SE" sz="8867"/>
+          </a:p>
+        </p:txBody>
+      </p:sp>
+      <p:sp>
+        <p:nvSpPr>
+          <p:cNvPr id="3" name="Rectangle 22">
+            <a:extLst>
+              <a:ext uri="{FF2B5EF4-FFF2-40B4-BE49-F238E27FC236}">
+                <a16:creationId xmlns:a16="http://schemas.microsoft.com/office/drawing/2014/main" id="{96127036-01FF-445F-AE38-7915614E8B3D}"/>
+              </a:ext>
+            </a:extLst>
+          </p:cNvPr>
+          <p:cNvSpPr/>
+          <p:nvPr/>
+        </p:nvSpPr>
+        <p:spPr>
+          <a:xfrm>
+            <a:off x="60063" y="8046720"/>
+            <a:ext cx="3597537" cy="887898"/>
+          </a:xfrm>
+          <a:prstGeom prst="rect">
+            <a:avLst/>
+          </a:prstGeom>
+          <a:noFill/>
+          <a:ln w="28575">
+            <a:solidFill>
+              <a:srgbClr val="F79647"/>
+            </a:solidFill>
+            <a:prstDash val="sysDot"/>
+          </a:ln>
+        </p:spPr>
+        <p:style>
+          <a:lnRef idx="2">
+            <a:schemeClr val="accent1">
+              <a:shade val="15000"/>
+            </a:schemeClr>
+          </a:lnRef>
+          <a:fillRef idx="1">
+            <a:schemeClr val="accent1"/>
+          </a:fillRef>
+          <a:effectRef idx="0">
+            <a:schemeClr val="accent1"/>
+          </a:effectRef>
+          <a:fontRef idx="minor">
+            <a:schemeClr val="lt1"/>
+          </a:fontRef>
+        </p:style>
+        <p:txBody>
+          <a:bodyPr rtlCol="0" anchor="ctr"/>
+          <a:lstStyle/>
+          <a:p>
+            <a:pPr algn="ctr"/>
+            <a:endParaRPr lang="en-SE" sz="8867"/>
+          </a:p>
+        </p:txBody>
+      </p:sp>
+      <p:sp>
+        <p:nvSpPr>
+          <p:cNvPr id="13" name="Rectangle 22">
+            <a:extLst>
+              <a:ext uri="{FF2B5EF4-FFF2-40B4-BE49-F238E27FC236}">
+                <a16:creationId xmlns:a16="http://schemas.microsoft.com/office/drawing/2014/main" id="{10DF83E7-D2C3-DDB8-F916-2CEE6B27CAFD}"/>
+              </a:ext>
+            </a:extLst>
+          </p:cNvPr>
+          <p:cNvSpPr/>
+          <p:nvPr/>
+        </p:nvSpPr>
+        <p:spPr>
+          <a:xfrm>
+            <a:off x="8864128" y="4017525"/>
+            <a:ext cx="3388832" cy="826771"/>
+          </a:xfrm>
+          <a:prstGeom prst="rect">
+            <a:avLst/>
+          </a:prstGeom>
+          <a:noFill/>
+          <a:ln w="28575">
+            <a:solidFill>
+              <a:srgbClr val="F79647"/>
+            </a:solidFill>
+            <a:prstDash val="sysDot"/>
+          </a:ln>
+        </p:spPr>
+        <p:style>
+          <a:lnRef idx="2">
+            <a:schemeClr val="accent1">
+              <a:shade val="15000"/>
+            </a:schemeClr>
+          </a:lnRef>
+          <a:fillRef idx="1">
+            <a:schemeClr val="accent1"/>
+          </a:fillRef>
+          <a:effectRef idx="0">
+            <a:schemeClr val="accent1"/>
+          </a:effectRef>
+          <a:fontRef idx="minor">
+            <a:schemeClr val="lt1"/>
+          </a:fontRef>
+        </p:style>
+        <p:txBody>
+          <a:bodyPr rtlCol="0" anchor="ctr"/>
+          <a:lstStyle/>
+          <a:p>
+            <a:pPr algn="ctr"/>
+            <a:endParaRPr lang="en-SE" sz="8867"/>
+          </a:p>
+        </p:txBody>
+      </p:sp>
+      <p:sp>
+        <p:nvSpPr>
+          <p:cNvPr id="12" name="Oval 19">
+            <a:extLst>
+              <a:ext uri="{FF2B5EF4-FFF2-40B4-BE49-F238E27FC236}">
+                <a16:creationId xmlns:a16="http://schemas.microsoft.com/office/drawing/2014/main" id="{3682D9EF-0FA7-5B6B-A218-498099D5A112}"/>
+              </a:ext>
+            </a:extLst>
+          </p:cNvPr>
+          <p:cNvSpPr>
+            <a:spLocks noChangeAspect="1"/>
+          </p:cNvSpPr>
+          <p:nvPr/>
+        </p:nvSpPr>
+        <p:spPr>
+          <a:xfrm>
+            <a:off x="11839575" y="3604140"/>
+            <a:ext cx="826771" cy="826771"/>
           </a:xfrm>
           <a:prstGeom prst="ellipse">
             <a:avLst/>
@@ -3541,18 +3794,18 @@
           </a:fontRef>
         </p:style>
         <p:txBody>
-          <a:bodyPr tIns="153440" bIns="230160" rtlCol="0" anchor="ctr"/>
+          <a:bodyPr tIns="165354" bIns="248032" rtlCol="0" anchor="ctr"/>
           <a:lstStyle/>
           <a:p>
             <a:pPr algn="ctr"/>
             <a:r>
-              <a:rPr lang="en-GB" sz="3733" dirty="0">
+              <a:rPr lang="en-US" altLang="zh-CN" sz="4000" dirty="0">
                 <a:latin typeface="Arial" panose="020B0604020202020204" pitchFamily="34" charset="0"/>
                 <a:cs typeface="Arial" panose="020B0604020202020204" pitchFamily="34" charset="0"/>
               </a:rPr>
-              <a:t>b</a:t>
-            </a:r>
-            <a:endParaRPr lang="en-SE" sz="3733" dirty="0">
+              <a:t>c</a:t>
+            </a:r>
+            <a:endParaRPr lang="en-SE" sz="4000" dirty="0">
               <a:latin typeface="Arial" panose="020B0604020202020204" pitchFamily="34" charset="0"/>
               <a:cs typeface="Arial" panose="020B0604020202020204" pitchFamily="34" charset="0"/>
             </a:endParaRPr>
@@ -3561,10 +3814,10 @@
       </p:sp>
       <p:sp>
         <p:nvSpPr>
-          <p:cNvPr id="2" name="Oval 19">
+          <p:cNvPr id="18" name="Oval 19">
             <a:extLst>
               <a:ext uri="{FF2B5EF4-FFF2-40B4-BE49-F238E27FC236}">
-                <a16:creationId xmlns:a16="http://schemas.microsoft.com/office/drawing/2014/main" id="{5AAF51A2-0686-647B-477E-AC20B9CB442D}"/>
+                <a16:creationId xmlns:a16="http://schemas.microsoft.com/office/drawing/2014/main" id="{6ADA430A-D79D-68E1-891F-738B9C0A955F}"/>
               </a:ext>
             </a:extLst>
           </p:cNvPr>
@@ -3575,8 +3828,8 @@
         </p:nvSpPr>
         <p:spPr>
           <a:xfrm>
-            <a:off x="7460241" y="6596507"/>
-            <a:ext cx="767201" cy="767201"/>
+            <a:off x="7386772" y="3604140"/>
+            <a:ext cx="826771" cy="826771"/>
           </a:xfrm>
           <a:prstGeom prst="ellipse">
             <a:avLst/>
@@ -3605,18 +3858,82 @@
           </a:fontRef>
         </p:style>
         <p:txBody>
-          <a:bodyPr tIns="153440" bIns="230160" rtlCol="0" anchor="ctr"/>
+          <a:bodyPr tIns="165354" bIns="248032" rtlCol="0" anchor="ctr"/>
           <a:lstStyle/>
           <a:p>
             <a:pPr algn="ctr"/>
             <a:r>
-              <a:rPr lang="en-GB" sz="3733" dirty="0">
+              <a:rPr lang="en-GB" sz="4000" dirty="0">
+                <a:latin typeface="Arial" panose="020B0604020202020204" pitchFamily="34" charset="0"/>
+                <a:cs typeface="Arial" panose="020B0604020202020204" pitchFamily="34" charset="0"/>
+              </a:rPr>
+              <a:t>b</a:t>
+            </a:r>
+            <a:endParaRPr lang="en-SE" sz="4000" dirty="0">
+              <a:latin typeface="Arial" panose="020B0604020202020204" pitchFamily="34" charset="0"/>
+              <a:cs typeface="Arial" panose="020B0604020202020204" pitchFamily="34" charset="0"/>
+            </a:endParaRPr>
+          </a:p>
+        </p:txBody>
+      </p:sp>
+      <p:sp>
+        <p:nvSpPr>
+          <p:cNvPr id="2" name="Oval 19">
+            <a:extLst>
+              <a:ext uri="{FF2B5EF4-FFF2-40B4-BE49-F238E27FC236}">
+                <a16:creationId xmlns:a16="http://schemas.microsoft.com/office/drawing/2014/main" id="{5AAF51A2-0686-647B-477E-AC20B9CB442D}"/>
+              </a:ext>
+            </a:extLst>
+          </p:cNvPr>
+          <p:cNvSpPr>
+            <a:spLocks noChangeAspect="1"/>
+          </p:cNvSpPr>
+          <p:nvPr/>
+        </p:nvSpPr>
+        <p:spPr>
+          <a:xfrm>
+            <a:off x="3244214" y="7633334"/>
+            <a:ext cx="826771" cy="826771"/>
+          </a:xfrm>
+          <a:prstGeom prst="ellipse">
+            <a:avLst/>
+          </a:prstGeom>
+          <a:solidFill>
+            <a:srgbClr val="F79647"/>
+          </a:solidFill>
+          <a:ln>
+            <a:noFill/>
+          </a:ln>
+        </p:spPr>
+        <p:style>
+          <a:lnRef idx="2">
+            <a:schemeClr val="accent1">
+              <a:shade val="15000"/>
+            </a:schemeClr>
+          </a:lnRef>
+          <a:fillRef idx="1">
+            <a:schemeClr val="accent1"/>
+          </a:fillRef>
+          <a:effectRef idx="0">
+            <a:schemeClr val="accent1"/>
+          </a:effectRef>
+          <a:fontRef idx="minor">
+            <a:schemeClr val="lt1"/>
+          </a:fontRef>
+        </p:style>
+        <p:txBody>
+          <a:bodyPr tIns="165354" bIns="248032" rtlCol="0" anchor="ctr"/>
+          <a:lstStyle/>
+          <a:p>
+            <a:pPr algn="ctr"/>
+            <a:r>
+              <a:rPr lang="en-GB" sz="4000" dirty="0">
                 <a:latin typeface="Arial" panose="020B0604020202020204" pitchFamily="34" charset="0"/>
                 <a:cs typeface="Arial" panose="020B0604020202020204" pitchFamily="34" charset="0"/>
               </a:rPr>
               <a:t>a</a:t>
             </a:r>
-            <a:endParaRPr lang="en-SE" sz="3733" dirty="0">
+            <a:endParaRPr lang="en-SE" sz="4000" dirty="0">
               <a:latin typeface="Arial" panose="020B0604020202020204" pitchFamily="34" charset="0"/>
               <a:cs typeface="Arial" panose="020B0604020202020204" pitchFamily="34" charset="0"/>
             </a:endParaRPr>
